--- a/doc/Prototyp_3.pptx
+++ b/doc/Prototyp_3.pptx
@@ -2310,7 +2310,7 @@
   <pc:docChgLst>
     <pc:chgData name="Max Steidle" userId="05e90cd0-f462-47d4-9d0a-54e0c3f49c74" providerId="ADAL" clId="{34BCB063-790F-4FBD-A878-8866CFC1E598}"/>
     <pc:docChg chg="undo custSel addSld delSld modSld sldOrd">
-      <pc:chgData name="Max Steidle" userId="05e90cd0-f462-47d4-9d0a-54e0c3f49c74" providerId="ADAL" clId="{34BCB063-790F-4FBD-A878-8866CFC1E598}" dt="2023-08-23T07:35:14.936" v="583"/>
+      <pc:chgData name="Max Steidle" userId="05e90cd0-f462-47d4-9d0a-54e0c3f49c74" providerId="ADAL" clId="{34BCB063-790F-4FBD-A878-8866CFC1E598}" dt="2023-08-23T14:11:14.280" v="584" actId="1076"/>
       <pc:docMkLst>
         <pc:docMk/>
       </pc:docMkLst>
@@ -4597,6 +4597,21 @@
             <ac:grpSpMk id="39" creationId="{A75A66F8-6184-BF93-2EAE-371AD7DE7D82}"/>
           </ac:grpSpMkLst>
         </pc:grpChg>
+      </pc:sldChg>
+      <pc:sldChg chg="modSp mod">
+        <pc:chgData name="Max Steidle" userId="05e90cd0-f462-47d4-9d0a-54e0c3f49c74" providerId="ADAL" clId="{34BCB063-790F-4FBD-A878-8866CFC1E598}" dt="2023-08-23T14:11:14.280" v="584" actId="1076"/>
+        <pc:sldMkLst>
+          <pc:docMk/>
+          <pc:sldMk cId="1168085614" sldId="275"/>
+        </pc:sldMkLst>
+        <pc:spChg chg="mod">
+          <ac:chgData name="Max Steidle" userId="05e90cd0-f462-47d4-9d0a-54e0c3f49c74" providerId="ADAL" clId="{34BCB063-790F-4FBD-A878-8866CFC1E598}" dt="2023-08-23T14:11:14.280" v="584" actId="1076"/>
+          <ac:spMkLst>
+            <pc:docMk/>
+            <pc:sldMk cId="1168085614" sldId="275"/>
+            <ac:spMk id="68" creationId="{6B9B0247-E900-4BD7-F9B6-CBADB026FC01}"/>
+          </ac:spMkLst>
+        </pc:spChg>
       </pc:sldChg>
       <pc:sldChg chg="add ord modAnim">
         <pc:chgData name="Max Steidle" userId="05e90cd0-f462-47d4-9d0a-54e0c3f49c74" providerId="ADAL" clId="{34BCB063-790F-4FBD-A878-8866CFC1E598}" dt="2023-08-23T07:35:14.936" v="583"/>
@@ -12544,13 +12559,13 @@
   <p:clrMapOvr>
     <a:masterClrMapping/>
   </p:clrMapOvr>
-  <mc:AlternateContent xmlns:mc="http://schemas.openxmlformats.org/markup-compatibility/2006">
-    <mc:Choice xmlns:p159="http://schemas.microsoft.com/office/powerpoint/2015/09/main" Requires="p159">
+  <mc:AlternateContent xmlns:mc="http://schemas.openxmlformats.org/markup-compatibility/2006" xmlns:p159="http://schemas.microsoft.com/office/powerpoint/2015/09/main">
+    <mc:Choice Requires="p159">
       <p:transition xmlns:p14="http://schemas.microsoft.com/office/powerpoint/2010/main" spd="slow" p14:dur="2000">
         <p159:morph option="byObject"/>
       </p:transition>
     </mc:Choice>
-    <mc:Fallback>
+    <mc:Fallback xmlns="">
       <p:transition spd="slow">
         <p:fade/>
       </p:transition>
@@ -22738,11 +22753,11 @@
   <p:clrMapOvr>
     <a:masterClrMapping/>
   </p:clrMapOvr>
-  <mc:AlternateContent xmlns:mc="http://schemas.openxmlformats.org/markup-compatibility/2006">
-    <mc:Choice xmlns:p14="http://schemas.microsoft.com/office/powerpoint/2010/main" Requires="p14">
+  <mc:AlternateContent xmlns:mc="http://schemas.openxmlformats.org/markup-compatibility/2006" xmlns:p14="http://schemas.microsoft.com/office/powerpoint/2010/main">
+    <mc:Choice Requires="p14">
       <p:transition p14:dur="10" advClick="0" advTm="10750"/>
     </mc:Choice>
-    <mc:Fallback>
+    <mc:Fallback xmlns="">
       <p:transition advClick="0" advTm="10750"/>
     </mc:Fallback>
   </mc:AlternateContent>
@@ -26621,7 +26636,7 @@
         </p:nvSpPr>
         <p:spPr>
           <a:xfrm>
-            <a:off x="4894944" y="3640553"/>
+            <a:off x="4844348" y="3678964"/>
             <a:ext cx="557349" cy="557349"/>
           </a:xfrm>
           <a:prstGeom prst="ellipse">
@@ -32409,13 +32424,13 @@
   <p:clrMapOvr>
     <a:masterClrMapping/>
   </p:clrMapOvr>
-  <mc:AlternateContent xmlns:mc="http://schemas.openxmlformats.org/markup-compatibility/2006">
-    <mc:Choice xmlns:p159="http://schemas.microsoft.com/office/powerpoint/2015/09/main" Requires="p159">
+  <mc:AlternateContent xmlns:mc="http://schemas.openxmlformats.org/markup-compatibility/2006" xmlns:p159="http://schemas.microsoft.com/office/powerpoint/2015/09/main">
+    <mc:Choice Requires="p159">
       <p:transition xmlns:p14="http://schemas.microsoft.com/office/powerpoint/2010/main" spd="slow" p14:dur="2000">
         <p159:morph option="byObject"/>
       </p:transition>
     </mc:Choice>
-    <mc:Fallback>
+    <mc:Fallback xmlns="">
       <p:transition spd="slow">
         <p:fade/>
       </p:transition>
@@ -32632,13 +32647,13 @@
   <p:clrMapOvr>
     <a:masterClrMapping/>
   </p:clrMapOvr>
-  <mc:AlternateContent xmlns:mc="http://schemas.openxmlformats.org/markup-compatibility/2006">
-    <mc:Choice xmlns:p159="http://schemas.microsoft.com/office/powerpoint/2015/09/main" Requires="p159">
+  <mc:AlternateContent xmlns:mc="http://schemas.openxmlformats.org/markup-compatibility/2006" xmlns:p159="http://schemas.microsoft.com/office/powerpoint/2015/09/main">
+    <mc:Choice Requires="p159">
       <p:transition xmlns:p14="http://schemas.microsoft.com/office/powerpoint/2010/main" spd="slow" p14:dur="2000">
         <p159:morph option="byObject"/>
       </p:transition>
     </mc:Choice>
-    <mc:Fallback>
+    <mc:Fallback xmlns="">
       <p:transition spd="slow">
         <p:fade/>
       </p:transition>
@@ -32872,13 +32887,13 @@
   <p:clrMapOvr>
     <a:masterClrMapping/>
   </p:clrMapOvr>
-  <mc:AlternateContent xmlns:mc="http://schemas.openxmlformats.org/markup-compatibility/2006">
-    <mc:Choice xmlns:p14="http://schemas.microsoft.com/office/powerpoint/2010/main" Requires="p14">
+  <mc:AlternateContent xmlns:mc="http://schemas.openxmlformats.org/markup-compatibility/2006" xmlns:p14="http://schemas.microsoft.com/office/powerpoint/2010/main">
+    <mc:Choice Requires="p14">
       <p:transition spd="slow" p14:dur="2000">
         <p14:prism dir="u" isContent="1"/>
       </p:transition>
     </mc:Choice>
-    <mc:Fallback>
+    <mc:Fallback xmlns="">
       <p:transition spd="slow">
         <p:fade/>
       </p:transition>
@@ -36078,13 +36093,13 @@
   <p:clrMapOvr>
     <a:masterClrMapping/>
   </p:clrMapOvr>
-  <mc:AlternateContent xmlns:mc="http://schemas.openxmlformats.org/markup-compatibility/2006">
-    <mc:Choice xmlns:p14="http://schemas.microsoft.com/office/powerpoint/2010/main" Requires="p14">
+  <mc:AlternateContent xmlns:mc="http://schemas.openxmlformats.org/markup-compatibility/2006" xmlns:p14="http://schemas.microsoft.com/office/powerpoint/2010/main">
+    <mc:Choice Requires="p14">
       <p:transition spd="slow" p14:dur="2000">
         <p14:prism isContent="1"/>
       </p:transition>
     </mc:Choice>
-    <mc:Fallback>
+    <mc:Fallback xmlns="">
       <p:transition spd="slow">
         <p:fade/>
       </p:transition>
